--- a/EUConnect18/presentation/images/ImagesForPres.pptx
+++ b/EUConnect18/presentation/images/ImagesForPres.pptx
@@ -259,7 +259,7 @@
           <a:p>
             <a:fld id="{D11E1260-BDD1-43CE-88D4-981C7FF86022}" type="datetimeFigureOut">
               <a:rPr lang="en-US" smtClean="0"/>
-              <a:t>8/21/2018</a:t>
+              <a:t>10/1/2018</a:t>
             </a:fld>
             <a:endParaRPr lang="en-US"/>
           </a:p>
@@ -427,7 +427,7 @@
           <a:p>
             <a:fld id="{D11E1260-BDD1-43CE-88D4-981C7FF86022}" type="datetimeFigureOut">
               <a:rPr lang="en-US" smtClean="0"/>
-              <a:t>8/21/2018</a:t>
+              <a:t>10/1/2018</a:t>
             </a:fld>
             <a:endParaRPr lang="en-US"/>
           </a:p>
@@ -605,7 +605,7 @@
           <a:p>
             <a:fld id="{D11E1260-BDD1-43CE-88D4-981C7FF86022}" type="datetimeFigureOut">
               <a:rPr lang="en-US" smtClean="0"/>
-              <a:t>8/21/2018</a:t>
+              <a:t>10/1/2018</a:t>
             </a:fld>
             <a:endParaRPr lang="en-US"/>
           </a:p>
@@ -773,7 +773,7 @@
           <a:p>
             <a:fld id="{D11E1260-BDD1-43CE-88D4-981C7FF86022}" type="datetimeFigureOut">
               <a:rPr lang="en-US" smtClean="0"/>
-              <a:t>8/21/2018</a:t>
+              <a:t>10/1/2018</a:t>
             </a:fld>
             <a:endParaRPr lang="en-US"/>
           </a:p>
@@ -1018,7 +1018,7 @@
           <a:p>
             <a:fld id="{D11E1260-BDD1-43CE-88D4-981C7FF86022}" type="datetimeFigureOut">
               <a:rPr lang="en-US" smtClean="0"/>
-              <a:t>8/21/2018</a:t>
+              <a:t>10/1/2018</a:t>
             </a:fld>
             <a:endParaRPr lang="en-US"/>
           </a:p>
@@ -1247,7 +1247,7 @@
           <a:p>
             <a:fld id="{D11E1260-BDD1-43CE-88D4-981C7FF86022}" type="datetimeFigureOut">
               <a:rPr lang="en-US" smtClean="0"/>
-              <a:t>8/21/2018</a:t>
+              <a:t>10/1/2018</a:t>
             </a:fld>
             <a:endParaRPr lang="en-US"/>
           </a:p>
@@ -1611,7 +1611,7 @@
           <a:p>
             <a:fld id="{D11E1260-BDD1-43CE-88D4-981C7FF86022}" type="datetimeFigureOut">
               <a:rPr lang="en-US" smtClean="0"/>
-              <a:t>8/21/2018</a:t>
+              <a:t>10/1/2018</a:t>
             </a:fld>
             <a:endParaRPr lang="en-US"/>
           </a:p>
@@ -1728,7 +1728,7 @@
           <a:p>
             <a:fld id="{D11E1260-BDD1-43CE-88D4-981C7FF86022}" type="datetimeFigureOut">
               <a:rPr lang="en-US" smtClean="0"/>
-              <a:t>8/21/2018</a:t>
+              <a:t>10/1/2018</a:t>
             </a:fld>
             <a:endParaRPr lang="en-US"/>
           </a:p>
@@ -1823,7 +1823,7 @@
           <a:p>
             <a:fld id="{D11E1260-BDD1-43CE-88D4-981C7FF86022}" type="datetimeFigureOut">
               <a:rPr lang="en-US" smtClean="0"/>
-              <a:t>8/21/2018</a:t>
+              <a:t>10/1/2018</a:t>
             </a:fld>
             <a:endParaRPr lang="en-US"/>
           </a:p>
@@ -2098,7 +2098,7 @@
           <a:p>
             <a:fld id="{D11E1260-BDD1-43CE-88D4-981C7FF86022}" type="datetimeFigureOut">
               <a:rPr lang="en-US" smtClean="0"/>
-              <a:t>8/21/2018</a:t>
+              <a:t>10/1/2018</a:t>
             </a:fld>
             <a:endParaRPr lang="en-US"/>
           </a:p>
@@ -2350,7 +2350,7 @@
           <a:p>
             <a:fld id="{D11E1260-BDD1-43CE-88D4-981C7FF86022}" type="datetimeFigureOut">
               <a:rPr lang="en-US" smtClean="0"/>
-              <a:t>8/21/2018</a:t>
+              <a:t>10/1/2018</a:t>
             </a:fld>
             <a:endParaRPr lang="en-US"/>
           </a:p>
@@ -2561,7 +2561,7 @@
           <a:p>
             <a:fld id="{D11E1260-BDD1-43CE-88D4-981C7FF86022}" type="datetimeFigureOut">
               <a:rPr lang="en-US" smtClean="0"/>
-              <a:t>8/21/2018</a:t>
+              <a:t>10/1/2018</a:t>
             </a:fld>
             <a:endParaRPr lang="en-US"/>
           </a:p>
@@ -6136,14 +6136,14 @@
           <p:nvPr>
             <p:extLst>
               <p:ext uri="{D42A27DB-BD31-4B8C-83A1-F6EECF244321}">
-                <p14:modId xmlns:p14="http://schemas.microsoft.com/office/powerpoint/2010/main" val="4016803413"/>
+                <p14:modId xmlns:p14="http://schemas.microsoft.com/office/powerpoint/2010/main" val="3751102661"/>
               </p:ext>
             </p:extLst>
           </p:nvPr>
         </p:nvGraphicFramePr>
         <p:xfrm>
-          <a:off x="865632" y="1224122"/>
-          <a:ext cx="2584704" cy="4539234"/>
+          <a:off x="865631" y="1224122"/>
+          <a:ext cx="7307697" cy="4676884"/>
         </p:xfrm>
         <a:graphic>
           <a:graphicData uri="http://schemas.openxmlformats.org/drawingml/2006/table">
@@ -6152,7 +6152,7 @@
                 <a:tableStyleId>{5C22544A-7EE6-4342-B048-85BDC9FD1C3A}</a:tableStyleId>
               </a:tblPr>
               <a:tblGrid>
-                <a:gridCol w="2584704">
+                <a:gridCol w="7307697">
                   <a:extLst>
                     <a:ext uri="{9D8B030D-6E8A-4147-A177-3AD203B41FA5}">
                       <a16:colId xmlns:a16="http://schemas.microsoft.com/office/drawing/2014/main" val="1988749366"/>
@@ -6215,9 +6215,9 @@
                     <a:bodyPr/>
                     <a:lstStyle/>
                     <a:p>
-                      <a:pPr marL="0" marR="0">
+                      <a:pPr marL="0" marR="0" lvl="0" indent="0" algn="l" defTabSz="914400" rtl="0" eaLnBrk="1" fontAlgn="auto" latinLnBrk="0" hangingPunct="1">
                         <a:lnSpc>
-                          <a:spcPct val="115000"/>
+                          <a:spcPct val="150000"/>
                         </a:lnSpc>
                         <a:spcBef>
                           <a:spcPts val="0"/>
@@ -6225,6 +6225,12 @@
                         <a:spcAft>
                           <a:spcPts val="0"/>
                         </a:spcAft>
+                        <a:buClrTx/>
+                        <a:buSzTx/>
+                        <a:buFontTx/>
+                        <a:buNone/>
+                        <a:tabLst/>
+                        <a:defRPr/>
                       </a:pPr>
                       <a:r>
                         <a:rPr lang="en-US" sz="2300" dirty="0" err="1">
@@ -6259,16 +6265,57 @@
                       <a:r>
                         <a:rPr lang="en-US" sz="2300" b="1" i="1" kern="1200" dirty="0">
                           <a:solidFill>
-                            <a:schemeClr val="bg1">
-                              <a:lumMod val="75000"/>
-                            </a:schemeClr>
+                            <a:srgbClr val="C00000"/>
                           </a:solidFill>
                           <a:effectLst/>
                           <a:latin typeface="+mn-lt"/>
                           <a:ea typeface="+mn-ea"/>
                           <a:cs typeface="+mn-cs"/>
                         </a:rPr>
+                        <a:t>&lt;n&gt;                   </a:t>
+                      </a:r>
+                      <a:r>
+                        <a:rPr lang="en-US" sz="2300" b="1" dirty="0">
+                          <a:solidFill>
+                            <a:srgbClr val="C00000"/>
+                          </a:solidFill>
+                        </a:rPr>
                         <a:t>&lt;n&gt;</a:t>
+                      </a:r>
+                      <a:r>
+                        <a:rPr lang="en-US" sz="2300" b="1" dirty="0">
+                          <a:solidFill>
+                            <a:srgbClr val="002B36"/>
+                          </a:solidFill>
+                        </a:rPr>
+                        <a:t> </a:t>
+                      </a:r>
+                      <a:r>
+                        <a:rPr lang="en-US" sz="2300" dirty="0">
+                          <a:solidFill>
+                            <a:srgbClr val="002B36"/>
+                          </a:solidFill>
+                        </a:rPr>
+                        <a:t>= Your </a:t>
+                      </a:r>
+                      <a:r>
+                        <a:rPr lang="en-US" sz="2300" b="1" kern="1200" dirty="0">
+                          <a:solidFill>
+                            <a:srgbClr val="002B36"/>
+                          </a:solidFill>
+                          <a:latin typeface="+mn-lt"/>
+                          <a:ea typeface="+mn-ea"/>
+                          <a:cs typeface="+mn-cs"/>
+                        </a:rPr>
+                        <a:t>Study</a:t>
+                      </a:r>
+                      <a:r>
+                        <a:rPr lang="en-US" sz="2300" dirty="0">
+                          <a:solidFill>
+                            <a:srgbClr val="002B36"/>
+                          </a:solidFill>
+                        </a:rPr>
+                        <a:t> Number</a:t>
                       </a:r>
                     </a:p>
                   </a:txBody>
@@ -6292,7 +6339,7 @@
                     <a:p>
                       <a:pPr marL="0" marR="0">
                         <a:lnSpc>
-                          <a:spcPct val="115000"/>
+                          <a:spcPct val="150000"/>
                         </a:lnSpc>
                         <a:spcBef>
                           <a:spcPts val="0"/>
@@ -6355,9 +6402,7 @@
                       <a:r>
                         <a:rPr lang="en-US" sz="2300" b="1" i="1" kern="1200" dirty="0">
                           <a:solidFill>
-                            <a:schemeClr val="bg1">
-                              <a:lumMod val="75000"/>
-                            </a:schemeClr>
+                            <a:srgbClr val="C00000"/>
                           </a:solidFill>
                           <a:effectLst/>
                           <a:latin typeface="+mn-lt"/>
@@ -6372,6 +6417,9 @@
                             <a:schemeClr val="tx1"/>
                           </a:solidFill>
                           <a:effectLst/>
+                          <a:highlight>
+                            <a:srgbClr val="FFFF00"/>
+                          </a:highlight>
                           <a:latin typeface="+mn-lt"/>
                           <a:ea typeface="+mn-ea"/>
                           <a:cs typeface="+mn-cs"/>
@@ -6381,16 +6429,58 @@
                       <a:r>
                         <a:rPr lang="en-US" sz="2300" b="1" i="1" kern="1200" dirty="0">
                           <a:solidFill>
-                            <a:schemeClr val="bg1">
-                              <a:lumMod val="75000"/>
-                            </a:schemeClr>
+                            <a:srgbClr val="3333FF"/>
                           </a:solidFill>
                           <a:effectLst/>
                           <a:latin typeface="+mn-lt"/>
                           <a:ea typeface="+mn-ea"/>
                           <a:cs typeface="+mn-cs"/>
                         </a:rPr>
-                        <a:t>&lt;x&gt;</a:t>
+                        <a:t>&lt;x&gt;         &lt;x&gt; </a:t>
+                      </a:r>
+                      <a:r>
+                        <a:rPr lang="en-US" sz="2300" b="1" kern="1200" dirty="0">
+                          <a:solidFill>
+                            <a:srgbClr val="002B36"/>
+                          </a:solidFill>
+                          <a:latin typeface="+mn-lt"/>
+                          <a:ea typeface="+mn-ea"/>
+                          <a:cs typeface="+mn-cs"/>
+                        </a:rPr>
+                        <a:t>= Number </a:t>
+                      </a:r>
+                      <a:r>
+                        <a:rPr lang="en-US" sz="2300" b="1" kern="1200" dirty="0">
+                          <a:solidFill>
+                            <a:srgbClr val="3333FF"/>
+                          </a:solidFill>
+                          <a:latin typeface="+mn-lt"/>
+                          <a:ea typeface="+mn-ea"/>
+                          <a:cs typeface="+mn-cs"/>
+                        </a:rPr>
+                        <a:t>1</a:t>
+                      </a:r>
+                      <a:r>
+                        <a:rPr lang="en-US" sz="2300" b="1" kern="1200" dirty="0">
+                          <a:solidFill>
+                            <a:srgbClr val="002B36"/>
+                          </a:solidFill>
+                          <a:latin typeface="+mn-lt"/>
+                          <a:ea typeface="+mn-ea"/>
+                          <a:cs typeface="+mn-cs"/>
+                        </a:rPr>
+                        <a:t> or </a:t>
+                      </a:r>
+                      <a:r>
+                        <a:rPr lang="en-US" sz="2300" b="1" kern="1200" dirty="0">
+                          <a:solidFill>
+                            <a:srgbClr val="3333FF"/>
+                          </a:solidFill>
+                          <a:latin typeface="+mn-lt"/>
+                          <a:ea typeface="+mn-ea"/>
+                          <a:cs typeface="+mn-cs"/>
+                        </a:rPr>
+                        <a:t>2</a:t>
                       </a:r>
                     </a:p>
                   </a:txBody>
@@ -6414,7 +6504,7 @@
                     <a:p>
                       <a:pPr marL="0" marR="0">
                         <a:lnSpc>
-                          <a:spcPct val="115000"/>
+                          <a:spcPct val="150000"/>
                         </a:lnSpc>
                         <a:spcBef>
                           <a:spcPts val="0"/>
@@ -6456,16 +6546,92 @@
                       <a:r>
                         <a:rPr lang="en-US" sz="2300" b="1" i="1" kern="1200" dirty="0">
                           <a:solidFill>
-                            <a:schemeClr val="bg1">
-                              <a:lumMod val="75000"/>
-                            </a:schemeClr>
+                            <a:srgbClr val="C00000"/>
                           </a:solidFill>
                           <a:effectLst/>
                           <a:latin typeface="+mn-lt"/>
                           <a:ea typeface="+mn-ea"/>
                           <a:cs typeface="+mn-cs"/>
                         </a:rPr>
-                        <a:t>&lt;n&gt;&lt;y&gt;</a:t>
+                        <a:t>&lt;n&gt;</a:t>
+                      </a:r>
+                      <a:r>
+                        <a:rPr lang="en-US" sz="2300" b="1" i="1" kern="1200" dirty="0">
+                          <a:solidFill>
+                            <a:srgbClr val="00B050"/>
+                          </a:solidFill>
+                          <a:effectLst/>
+                          <a:latin typeface="+mn-lt"/>
+                          <a:ea typeface="+mn-ea"/>
+                          <a:cs typeface="+mn-cs"/>
+                        </a:rPr>
+                        <a:t>&lt;y&gt;           &lt;y&gt; </a:t>
+                      </a:r>
+                      <a:r>
+                        <a:rPr lang="en-US" sz="2300" b="1" kern="1200" dirty="0">
+                          <a:solidFill>
+                            <a:srgbClr val="002B36"/>
+                          </a:solidFill>
+                          <a:latin typeface="+mn-lt"/>
+                          <a:ea typeface="+mn-ea"/>
+                          <a:cs typeface="+mn-cs"/>
+                        </a:rPr>
+                        <a:t>= Number </a:t>
+                      </a:r>
+                      <a:r>
+                        <a:rPr lang="en-US" sz="2300" b="1" kern="1200" dirty="0">
+                          <a:solidFill>
+                            <a:srgbClr val="00B050"/>
+                          </a:solidFill>
+                          <a:latin typeface="+mn-lt"/>
+                          <a:ea typeface="+mn-ea"/>
+                          <a:cs typeface="+mn-cs"/>
+                        </a:rPr>
+                        <a:t>1</a:t>
+                      </a:r>
+                      <a:r>
+                        <a:rPr lang="en-US" sz="2300" b="1" kern="1200" dirty="0">
+                          <a:solidFill>
+                            <a:srgbClr val="002B36"/>
+                          </a:solidFill>
+                          <a:latin typeface="+mn-lt"/>
+                          <a:ea typeface="+mn-ea"/>
+                          <a:cs typeface="+mn-cs"/>
+                        </a:rPr>
+                        <a:t>, </a:t>
+                      </a:r>
+                      <a:r>
+                        <a:rPr lang="en-US" sz="2300" b="1" kern="1200" dirty="0">
+                          <a:solidFill>
+                            <a:srgbClr val="00B050"/>
+                          </a:solidFill>
+                          <a:latin typeface="+mn-lt"/>
+                          <a:ea typeface="+mn-ea"/>
+                          <a:cs typeface="+mn-cs"/>
+                        </a:rPr>
+                        <a:t>2</a:t>
+                      </a:r>
+                      <a:r>
+                        <a:rPr lang="en-US" sz="2300" b="1" kern="1200" dirty="0">
+                          <a:solidFill>
+                            <a:srgbClr val="002B36"/>
+                          </a:solidFill>
+                          <a:latin typeface="+mn-lt"/>
+                          <a:ea typeface="+mn-ea"/>
+                          <a:cs typeface="+mn-cs"/>
+                        </a:rPr>
+                        <a:t> or </a:t>
+                      </a:r>
+                      <a:r>
+                        <a:rPr lang="en-US" sz="2300" b="1" kern="1200" dirty="0">
+                          <a:solidFill>
+                            <a:srgbClr val="00B050"/>
+                          </a:solidFill>
+                          <a:latin typeface="+mn-lt"/>
+                          <a:ea typeface="+mn-ea"/>
+                          <a:cs typeface="+mn-cs"/>
+                        </a:rPr>
+                        <a:t>3</a:t>
                       </a:r>
                     </a:p>
                   </a:txBody>
@@ -6498,79 +6664,6 @@
                           <a:spcPts val="0"/>
                         </a:spcAft>
                       </a:pPr>
-                      <a:r>
-                        <a:rPr lang="en-US" sz="2300" dirty="0">
-                          <a:solidFill>
-                            <a:schemeClr val="tx1"/>
-                          </a:solidFill>
-                          <a:effectLst/>
-                        </a:rPr>
-                        <a:t> </a:t>
-                      </a:r>
-                    </a:p>
-                    <a:p>
-                      <a:pPr marL="0" marR="0">
-                        <a:lnSpc>
-                          <a:spcPct val="115000"/>
-                        </a:lnSpc>
-                        <a:spcBef>
-                          <a:spcPts val="0"/>
-                        </a:spcBef>
-                        <a:spcAft>
-                          <a:spcPts val="0"/>
-                        </a:spcAft>
-                      </a:pPr>
-                      <a:r>
-                        <a:rPr lang="en-US" sz="2300" dirty="0" err="1">
-                          <a:solidFill>
-                            <a:schemeClr val="tx1"/>
-                          </a:solidFill>
-                          <a:effectLst/>
-                        </a:rPr>
-                        <a:t>eg:</a:t>
-                      </a:r>
-                      <a:r>
-                        <a:rPr lang="en-US" sz="2300" dirty="0" err="1">
-                          <a:solidFill>
-                            <a:schemeClr val="tx1"/>
-                          </a:solidFill>
-                          <a:effectLst/>
-                          <a:highlight>
-                            <a:srgbClr val="FFFF00"/>
-                          </a:highlight>
-                        </a:rPr>
-                        <a:t>P</a:t>
-                      </a:r>
-                      <a:r>
-                        <a:rPr lang="en-US" sz="2300" dirty="0" err="1">
-                          <a:solidFill>
-                            <a:schemeClr val="tx1"/>
-                          </a:solidFill>
-                          <a:effectLst/>
-                        </a:rPr>
-                        <a:t>lacebo</a:t>
-                      </a:r>
-                      <a:r>
-                        <a:rPr lang="en-US" sz="2300" dirty="0" err="1">
-                          <a:solidFill>
-                            <a:schemeClr val="tx1"/>
-                          </a:solidFill>
-                          <a:effectLst/>
-                          <a:highlight>
-                            <a:srgbClr val="FFFF00"/>
-                          </a:highlight>
-                        </a:rPr>
-                        <a:t>A</a:t>
-                      </a:r>
-                      <a:r>
-                        <a:rPr lang="en-US" sz="2300" dirty="0" err="1">
-                          <a:solidFill>
-                            <a:schemeClr val="tx1"/>
-                          </a:solidFill>
-                          <a:effectLst/>
-                        </a:rPr>
-                        <a:t>rm</a:t>
-                      </a:r>
                       <a:endParaRPr lang="en-US" sz="2300" dirty="0">
                         <a:solidFill>
                           <a:schemeClr val="tx1"/>
@@ -6611,36 +6704,6 @@
                           <a:spcPts val="0"/>
                         </a:spcAft>
                       </a:pPr>
-                      <a:r>
-                        <a:rPr lang="en-US" sz="2300" dirty="0" err="1">
-                          <a:solidFill>
-                            <a:schemeClr val="tx1"/>
-                          </a:solidFill>
-                          <a:effectLst/>
-                        </a:rPr>
-                        <a:t>eg:</a:t>
-                      </a:r>
-                      <a:r>
-                        <a:rPr lang="en-US" sz="2300" dirty="0" err="1">
-                          <a:solidFill>
-                            <a:schemeClr val="tx1"/>
-                          </a:solidFill>
-                          <a:effectLst/>
-                          <a:highlight>
-                            <a:srgbClr val="FFFF00"/>
-                          </a:highlight>
-                        </a:rPr>
-                        <a:t>LDE</a:t>
-                      </a:r>
-                      <a:r>
-                        <a:rPr lang="en-US" sz="2300" dirty="0" err="1">
-                          <a:solidFill>
-                            <a:schemeClr val="tx1"/>
-                          </a:solidFill>
-                          <a:effectLst/>
-                        </a:rPr>
-                        <a:t>xpert</a:t>
-                      </a:r>
                       <a:endParaRPr lang="en-US" sz="2300" dirty="0">
                         <a:solidFill>
                           <a:schemeClr val="tx1"/>
@@ -6681,72 +6744,17 @@
                           <a:spcPts val="0"/>
                         </a:spcAft>
                       </a:pPr>
-                      <a:r>
-                        <a:rPr lang="en-US" sz="2300" dirty="0">
-                          <a:solidFill>
-                            <a:schemeClr val="tx1"/>
-                          </a:solidFill>
-                          <a:effectLst/>
-                        </a:rPr>
-                        <a:t> </a:t>
-                      </a:r>
-                    </a:p>
-                    <a:p>
-                      <a:pPr marL="0" marR="0">
-                        <a:lnSpc>
-                          <a:spcPct val="115000"/>
-                        </a:lnSpc>
-                        <a:spcBef>
-                          <a:spcPts val="0"/>
-                        </a:spcBef>
-                        <a:spcAft>
-                          <a:spcPts val="0"/>
-                        </a:spcAft>
-                      </a:pPr>
-                      <a:r>
-                        <a:rPr lang="en-US" sz="2300" dirty="0" err="1">
-                          <a:solidFill>
-                            <a:schemeClr val="tx1"/>
-                          </a:solidFill>
-                          <a:effectLst/>
-                        </a:rPr>
-                        <a:t>ncit:</a:t>
-                      </a:r>
-                      <a:r>
-                        <a:rPr lang="en-US" sz="2300" dirty="0" err="1">
-                          <a:solidFill>
-                            <a:schemeClr val="tx1"/>
-                          </a:solidFill>
-                          <a:effectLst/>
-                          <a:highlight>
-                            <a:srgbClr val="FFFF00"/>
-                          </a:highlight>
-                        </a:rPr>
-                        <a:t>P</a:t>
-                      </a:r>
-                      <a:r>
-                        <a:rPr lang="en-US" sz="2300" dirty="0" err="1">
-                          <a:solidFill>
-                            <a:schemeClr val="tx1"/>
-                          </a:solidFill>
-                          <a:effectLst/>
-                        </a:rPr>
-                        <a:t>hase</a:t>
-                      </a:r>
-                      <a:r>
-                        <a:rPr lang="en-US" sz="2300" b="1" i="1" kern="1200" dirty="0">
-                          <a:solidFill>
-                            <a:schemeClr val="bg1">
-                              <a:lumMod val="75000"/>
-                            </a:schemeClr>
-                          </a:solidFill>
-                          <a:effectLst/>
-                          <a:latin typeface="+mn-lt"/>
-                          <a:ea typeface="+mn-ea"/>
-                          <a:cs typeface="+mn-cs"/>
-                        </a:rPr>
-                        <a:t>&lt;z&gt;</a:t>
-                      </a:r>
+                      <a:endParaRPr lang="en-US" sz="2300" b="1" i="1" kern="1200" dirty="0">
+                        <a:solidFill>
+                          <a:schemeClr val="bg1">
+                            <a:lumMod val="75000"/>
+                          </a:schemeClr>
+                        </a:solidFill>
+                        <a:effectLst/>
+                        <a:latin typeface="+mn-lt"/>
+                        <a:ea typeface="+mn-ea"/>
+                        <a:cs typeface="+mn-cs"/>
+                      </a:endParaRPr>
                     </a:p>
                   </a:txBody>
                   <a:tcPr marL="141557" marR="141557" marT="0" marB="0">
@@ -6778,36 +6786,6 @@
                           <a:spcPts val="0"/>
                         </a:spcAft>
                       </a:pPr>
-                      <a:r>
-                        <a:rPr lang="en-US" sz="2300" dirty="0" err="1">
-                          <a:solidFill>
-                            <a:schemeClr val="tx1"/>
-                          </a:solidFill>
-                          <a:effectLst/>
-                        </a:rPr>
-                        <a:t>ncit:</a:t>
-                      </a:r>
-                      <a:r>
-                        <a:rPr lang="en-US" sz="2300" dirty="0" err="1">
-                          <a:solidFill>
-                            <a:schemeClr val="tx1"/>
-                          </a:solidFill>
-                          <a:effectLst/>
-                          <a:highlight>
-                            <a:srgbClr val="FFFF00"/>
-                          </a:highlight>
-                        </a:rPr>
-                        <a:t>M</a:t>
-                      </a:r>
-                      <a:r>
-                        <a:rPr lang="en-US" sz="2300" dirty="0" err="1">
-                          <a:solidFill>
-                            <a:schemeClr val="tx1"/>
-                          </a:solidFill>
-                          <a:effectLst/>
-                        </a:rPr>
-                        <a:t>ale</a:t>
-                      </a:r>
                       <a:endParaRPr lang="en-US" sz="2300" dirty="0">
                         <a:solidFill>
                           <a:schemeClr val="tx1"/>
@@ -6848,36 +6826,6 @@
                           <a:spcPts val="0"/>
                         </a:spcAft>
                       </a:pPr>
-                      <a:r>
-                        <a:rPr lang="en-US" sz="2300" dirty="0" err="1">
-                          <a:solidFill>
-                            <a:schemeClr val="tx1"/>
-                          </a:solidFill>
-                          <a:effectLst/>
-                        </a:rPr>
-                        <a:t>ncit:</a:t>
-                      </a:r>
-                      <a:r>
-                        <a:rPr lang="en-US" sz="2300" dirty="0" err="1">
-                          <a:solidFill>
-                            <a:schemeClr val="tx1"/>
-                          </a:solidFill>
-                          <a:effectLst/>
-                          <a:highlight>
-                            <a:srgbClr val="FFFF00"/>
-                          </a:highlight>
-                        </a:rPr>
-                        <a:t>F</a:t>
-                      </a:r>
-                      <a:r>
-                        <a:rPr lang="en-US" sz="2300" dirty="0" err="1">
-                          <a:solidFill>
-                            <a:schemeClr val="tx1"/>
-                          </a:solidFill>
-                          <a:effectLst/>
-                        </a:rPr>
-                        <a:t>emale</a:t>
-                      </a:r>
                       <a:endParaRPr lang="en-US" sz="2300" dirty="0">
                         <a:solidFill>
                           <a:schemeClr val="tx1"/>
@@ -6898,832 +6846,6 @@
                 <a:extLst>
                   <a:ext uri="{0D108BD9-81ED-4DB2-BD59-A6C34878D82A}">
                     <a16:rowId xmlns:a16="http://schemas.microsoft.com/office/drawing/2014/main" val="1176398186"/>
-                  </a:ext>
-                </a:extLst>
-              </a:tr>
-            </a:tbl>
-          </a:graphicData>
-        </a:graphic>
-      </p:graphicFrame>
-      <p:graphicFrame>
-        <p:nvGraphicFramePr>
-          <p:cNvPr id="7" name="Table 6"/>
-          <p:cNvGraphicFramePr>
-            <a:graphicFrameLocks noGrp="1"/>
-          </p:cNvGraphicFramePr>
-          <p:nvPr>
-            <p:extLst>
-              <p:ext uri="{D42A27DB-BD31-4B8C-83A1-F6EECF244321}">
-                <p14:modId xmlns:p14="http://schemas.microsoft.com/office/powerpoint/2010/main" val="1577146990"/>
-              </p:ext>
-            </p:extLst>
-          </p:nvPr>
-        </p:nvGraphicFramePr>
-        <p:xfrm>
-          <a:off x="4108704" y="1224122"/>
-          <a:ext cx="5222277" cy="5240274"/>
-        </p:xfrm>
-        <a:graphic>
-          <a:graphicData uri="http://schemas.openxmlformats.org/drawingml/2006/table">
-            <a:tbl>
-              <a:tblPr firstRow="1" firstCol="1" bandRow="1">
-                <a:tableStyleId>{5C22544A-7EE6-4342-B048-85BDC9FD1C3A}</a:tableStyleId>
-              </a:tblPr>
-              <a:tblGrid>
-                <a:gridCol w="5222277">
-                  <a:extLst>
-                    <a:ext uri="{9D8B030D-6E8A-4147-A177-3AD203B41FA5}">
-                      <a16:colId xmlns:a16="http://schemas.microsoft.com/office/drawing/2014/main" val="691544491"/>
-                    </a:ext>
-                  </a:extLst>
-                </a:gridCol>
-              </a:tblGrid>
-              <a:tr h="462198">
-                <a:tc>
-                  <a:txBody>
-                    <a:bodyPr/>
-                    <a:lstStyle/>
-                    <a:p>
-                      <a:pPr marL="0" marR="0">
-                        <a:lnSpc>
-                          <a:spcPct val="115000"/>
-                        </a:lnSpc>
-                        <a:spcBef>
-                          <a:spcPts val="0"/>
-                        </a:spcBef>
-                        <a:spcAft>
-                          <a:spcPts val="0"/>
-                        </a:spcAft>
-                      </a:pPr>
-                      <a:r>
-                        <a:rPr lang="en-US" sz="2900" b="1" kern="1200" dirty="0">
-                          <a:solidFill>
-                            <a:srgbClr val="0070C0"/>
-                          </a:solidFill>
-                          <a:effectLst/>
-                          <a:latin typeface="+mn-lt"/>
-                          <a:ea typeface="+mn-ea"/>
-                          <a:cs typeface="+mn-cs"/>
-                        </a:rPr>
-                        <a:t>LINKS</a:t>
-                      </a:r>
-                    </a:p>
-                  </a:txBody>
-                  <a:tcPr marL="128038" marR="128038" marT="0" marB="0">
-                    <a:noFill/>
-                  </a:tcPr>
-                </a:tc>
-                <a:extLst>
-                  <a:ext uri="{0D108BD9-81ED-4DB2-BD59-A6C34878D82A}">
-                    <a16:rowId xmlns:a16="http://schemas.microsoft.com/office/drawing/2014/main" val="2301028425"/>
-                  </a:ext>
-                </a:extLst>
-              </a:tr>
-              <a:tr h="351271">
-                <a:tc>
-                  <a:txBody>
-                    <a:bodyPr/>
-                    <a:lstStyle/>
-                    <a:p>
-                      <a:pPr marL="0" marR="0">
-                        <a:lnSpc>
-                          <a:spcPct val="115000"/>
-                        </a:lnSpc>
-                        <a:spcBef>
-                          <a:spcPts val="0"/>
-                        </a:spcBef>
-                        <a:spcAft>
-                          <a:spcPts val="0"/>
-                        </a:spcAft>
-                      </a:pPr>
-                      <a:r>
-                        <a:rPr lang="en-US" sz="2300" b="1" kern="1200" dirty="0">
-                          <a:solidFill>
-                            <a:schemeClr val="tx1"/>
-                          </a:solidFill>
-                          <a:effectLst/>
-                          <a:latin typeface="+mn-lt"/>
-                          <a:ea typeface="+mn-ea"/>
-                          <a:cs typeface="+mn-cs"/>
-                        </a:rPr>
-                        <a:t>eg:age</a:t>
-                      </a:r>
-                    </a:p>
-                  </a:txBody>
-                  <a:tcPr marL="128038" marR="128038" marT="0" marB="0">
-                    <a:noFill/>
-                  </a:tcPr>
-                </a:tc>
-                <a:extLst>
-                  <a:ext uri="{0D108BD9-81ED-4DB2-BD59-A6C34878D82A}">
-                    <a16:rowId xmlns:a16="http://schemas.microsoft.com/office/drawing/2014/main" val="931040827"/>
-                  </a:ext>
-                </a:extLst>
-              </a:tr>
-              <a:tr h="351271">
-                <a:tc>
-                  <a:txBody>
-                    <a:bodyPr/>
-                    <a:lstStyle/>
-                    <a:p>
-                      <a:pPr marL="0" marR="0">
-                        <a:lnSpc>
-                          <a:spcPct val="115000"/>
-                        </a:lnSpc>
-                        <a:spcBef>
-                          <a:spcPts val="0"/>
-                        </a:spcBef>
-                        <a:spcAft>
-                          <a:spcPts val="0"/>
-                        </a:spcAft>
-                      </a:pPr>
-                      <a:r>
-                        <a:rPr lang="en-US" sz="2300" b="1" kern="1200" dirty="0" err="1">
-                          <a:solidFill>
-                            <a:schemeClr val="tx1"/>
-                          </a:solidFill>
-                          <a:effectLst/>
-                          <a:latin typeface="+mn-lt"/>
-                          <a:ea typeface="+mn-ea"/>
-                          <a:cs typeface="+mn-cs"/>
-                        </a:rPr>
-                        <a:t>eg:</a:t>
-                      </a:r>
-                      <a:r>
-                        <a:rPr lang="en-US" sz="2300" b="1" kern="1200" dirty="0" err="1">
-                          <a:solidFill>
-                            <a:schemeClr val="tx1"/>
-                          </a:solidFill>
-                          <a:effectLst/>
-                          <a:highlight>
-                            <a:srgbClr val="FFFF00"/>
-                          </a:highlight>
-                          <a:latin typeface="+mn-lt"/>
-                          <a:ea typeface="+mn-ea"/>
-                          <a:cs typeface="+mn-cs"/>
-                        </a:rPr>
-                        <a:t>LDE</a:t>
-                      </a:r>
-                      <a:r>
-                        <a:rPr lang="en-US" sz="2300" b="1" kern="1200" dirty="0" err="1">
-                          <a:solidFill>
-                            <a:schemeClr val="tx1"/>
-                          </a:solidFill>
-                          <a:effectLst/>
-                          <a:latin typeface="+mn-lt"/>
-                          <a:ea typeface="+mn-ea"/>
-                          <a:cs typeface="+mn-cs"/>
-                        </a:rPr>
-                        <a:t>xpert</a:t>
-                      </a:r>
-                      <a:endParaRPr lang="en-US" sz="2300" b="1" kern="1200" dirty="0">
-                        <a:solidFill>
-                          <a:schemeClr val="tx1"/>
-                        </a:solidFill>
-                        <a:effectLst/>
-                        <a:latin typeface="+mn-lt"/>
-                        <a:ea typeface="+mn-ea"/>
-                        <a:cs typeface="+mn-cs"/>
-                      </a:endParaRPr>
-                    </a:p>
-                  </a:txBody>
-                  <a:tcPr marL="128038" marR="128038" marT="0" marB="0">
-                    <a:noFill/>
-                  </a:tcPr>
-                </a:tc>
-                <a:extLst>
-                  <a:ext uri="{0D108BD9-81ED-4DB2-BD59-A6C34878D82A}">
-                    <a16:rowId xmlns:a16="http://schemas.microsoft.com/office/drawing/2014/main" val="2894795761"/>
-                  </a:ext>
-                </a:extLst>
-              </a:tr>
-              <a:tr h="351271">
-                <a:tc>
-                  <a:txBody>
-                    <a:bodyPr/>
-                    <a:lstStyle/>
-                    <a:p>
-                      <a:pPr marL="0" marR="0">
-                        <a:lnSpc>
-                          <a:spcPct val="115000"/>
-                        </a:lnSpc>
-                        <a:spcBef>
-                          <a:spcPts val="0"/>
-                        </a:spcBef>
-                        <a:spcAft>
-                          <a:spcPts val="0"/>
-                        </a:spcAft>
-                      </a:pPr>
-                      <a:r>
-                        <a:rPr lang="en-US" sz="2300" b="1" kern="1200" dirty="0" err="1">
-                          <a:solidFill>
-                            <a:schemeClr val="tx1"/>
-                          </a:solidFill>
-                          <a:effectLst/>
-                          <a:latin typeface="+mn-lt"/>
-                          <a:ea typeface="+mn-ea"/>
-                          <a:cs typeface="+mn-cs"/>
-                        </a:rPr>
-                        <a:t>eg:participates</a:t>
-                      </a:r>
-                      <a:r>
-                        <a:rPr lang="en-US" sz="2300" b="1" kern="1200" dirty="0" err="1">
-                          <a:solidFill>
-                            <a:schemeClr val="tx1"/>
-                          </a:solidFill>
-                          <a:effectLst/>
-                          <a:highlight>
-                            <a:srgbClr val="FFFF00"/>
-                          </a:highlight>
-                          <a:latin typeface="+mn-lt"/>
-                          <a:ea typeface="+mn-ea"/>
-                          <a:cs typeface="+mn-cs"/>
-                        </a:rPr>
-                        <a:t>I</a:t>
-                      </a:r>
-                      <a:r>
-                        <a:rPr lang="en-US" sz="2300" b="1" kern="1200" dirty="0" err="1">
-                          <a:solidFill>
-                            <a:schemeClr val="tx1"/>
-                          </a:solidFill>
-                          <a:effectLst/>
-                          <a:latin typeface="+mn-lt"/>
-                          <a:ea typeface="+mn-ea"/>
-                          <a:cs typeface="+mn-cs"/>
-                        </a:rPr>
-                        <a:t>n</a:t>
-                      </a:r>
-                      <a:endParaRPr lang="en-US" sz="2300" b="1" kern="1200" dirty="0">
-                        <a:solidFill>
-                          <a:schemeClr val="tx1"/>
-                        </a:solidFill>
-                        <a:effectLst/>
-                        <a:latin typeface="+mn-lt"/>
-                        <a:ea typeface="+mn-ea"/>
-                        <a:cs typeface="+mn-cs"/>
-                      </a:endParaRPr>
-                    </a:p>
-                  </a:txBody>
-                  <a:tcPr marL="128038" marR="128038" marT="0" marB="0">
-                    <a:noFill/>
-                  </a:tcPr>
-                </a:tc>
-                <a:extLst>
-                  <a:ext uri="{0D108BD9-81ED-4DB2-BD59-A6C34878D82A}">
-                    <a16:rowId xmlns:a16="http://schemas.microsoft.com/office/drawing/2014/main" val="1065163967"/>
-                  </a:ext>
-                </a:extLst>
-              </a:tr>
-              <a:tr h="351271">
-                <a:tc>
-                  <a:txBody>
-                    <a:bodyPr/>
-                    <a:lstStyle/>
-                    <a:p>
-                      <a:pPr marL="0" marR="0">
-                        <a:lnSpc>
-                          <a:spcPct val="115000"/>
-                        </a:lnSpc>
-                        <a:spcBef>
-                          <a:spcPts val="0"/>
-                        </a:spcBef>
-                        <a:spcAft>
-                          <a:spcPts val="0"/>
-                        </a:spcAft>
-                      </a:pPr>
-                      <a:r>
-                        <a:rPr lang="en-US" sz="2300" b="1" kern="1200" dirty="0" err="1">
-                          <a:solidFill>
-                            <a:schemeClr val="tx1"/>
-                          </a:solidFill>
-                          <a:effectLst/>
-                          <a:latin typeface="+mn-lt"/>
-                          <a:ea typeface="+mn-ea"/>
-                          <a:cs typeface="+mn-cs"/>
-                        </a:rPr>
-                        <a:t>eg:randomized</a:t>
-                      </a:r>
-                      <a:r>
-                        <a:rPr lang="en-US" sz="2300" b="1" kern="1200" dirty="0" err="1">
-                          <a:solidFill>
-                            <a:schemeClr val="tx1"/>
-                          </a:solidFill>
-                          <a:effectLst/>
-                          <a:highlight>
-                            <a:srgbClr val="FFFF00"/>
-                          </a:highlight>
-                          <a:latin typeface="+mn-lt"/>
-                          <a:ea typeface="+mn-ea"/>
-                          <a:cs typeface="+mn-cs"/>
-                        </a:rPr>
-                        <a:t>T</a:t>
-                      </a:r>
-                      <a:r>
-                        <a:rPr lang="en-US" sz="2300" b="1" kern="1200" dirty="0" err="1">
-                          <a:solidFill>
-                            <a:schemeClr val="tx1"/>
-                          </a:solidFill>
-                          <a:effectLst/>
-                          <a:latin typeface="+mn-lt"/>
-                          <a:ea typeface="+mn-ea"/>
-                          <a:cs typeface="+mn-cs"/>
-                        </a:rPr>
-                        <a:t>o</a:t>
-                      </a:r>
-                      <a:endParaRPr lang="en-US" sz="2300" b="1" kern="1200" dirty="0">
-                        <a:solidFill>
-                          <a:schemeClr val="tx1"/>
-                        </a:solidFill>
-                        <a:effectLst/>
-                        <a:latin typeface="+mn-lt"/>
-                        <a:ea typeface="+mn-ea"/>
-                        <a:cs typeface="+mn-cs"/>
-                      </a:endParaRPr>
-                    </a:p>
-                  </a:txBody>
-                  <a:tcPr marL="128038" marR="128038" marT="0" marB="0">
-                    <a:noFill/>
-                  </a:tcPr>
-                </a:tc>
-                <a:extLst>
-                  <a:ext uri="{0D108BD9-81ED-4DB2-BD59-A6C34878D82A}">
-                    <a16:rowId xmlns:a16="http://schemas.microsoft.com/office/drawing/2014/main" val="961836117"/>
-                  </a:ext>
-                </a:extLst>
-              </a:tr>
-              <a:tr h="351271">
-                <a:tc>
-                  <a:txBody>
-                    <a:bodyPr/>
-                    <a:lstStyle/>
-                    <a:p>
-                      <a:pPr marL="0" marR="0">
-                        <a:lnSpc>
-                          <a:spcPct val="115000"/>
-                        </a:lnSpc>
-                        <a:spcBef>
-                          <a:spcPts val="0"/>
-                        </a:spcBef>
-                        <a:spcAft>
-                          <a:spcPts val="0"/>
-                        </a:spcAft>
-                      </a:pPr>
-                      <a:r>
-                        <a:rPr lang="en-US" sz="2300" b="1" kern="1200" dirty="0" err="1">
-                          <a:solidFill>
-                            <a:schemeClr val="tx1"/>
-                          </a:solidFill>
-                          <a:effectLst/>
-                          <a:latin typeface="+mn-lt"/>
-                          <a:ea typeface="+mn-ea"/>
-                          <a:cs typeface="+mn-cs"/>
-                        </a:rPr>
-                        <a:t>eg:trt</a:t>
-                      </a:r>
-                      <a:r>
-                        <a:rPr lang="en-US" sz="2300" b="1" kern="1200" dirty="0" err="1">
-                          <a:solidFill>
-                            <a:schemeClr val="tx1"/>
-                          </a:solidFill>
-                          <a:effectLst/>
-                          <a:highlight>
-                            <a:srgbClr val="FFFF00"/>
-                          </a:highlight>
-                          <a:latin typeface="+mn-lt"/>
-                          <a:ea typeface="+mn-ea"/>
-                          <a:cs typeface="+mn-cs"/>
-                        </a:rPr>
-                        <a:t>A</a:t>
-                      </a:r>
-                      <a:r>
-                        <a:rPr lang="en-US" sz="2300" b="1" kern="1200" dirty="0" err="1">
-                          <a:solidFill>
-                            <a:schemeClr val="tx1"/>
-                          </a:solidFill>
-                          <a:effectLst/>
-                          <a:latin typeface="+mn-lt"/>
-                          <a:ea typeface="+mn-ea"/>
-                          <a:cs typeface="+mn-cs"/>
-                        </a:rPr>
-                        <a:t>rm</a:t>
-                      </a:r>
-                      <a:endParaRPr lang="en-US" sz="2300" b="1" kern="1200" dirty="0">
-                        <a:solidFill>
-                          <a:schemeClr val="tx1"/>
-                        </a:solidFill>
-                        <a:effectLst/>
-                        <a:latin typeface="+mn-lt"/>
-                        <a:ea typeface="+mn-ea"/>
-                        <a:cs typeface="+mn-cs"/>
-                      </a:endParaRPr>
-                    </a:p>
-                  </a:txBody>
-                  <a:tcPr marL="128038" marR="128038" marT="0" marB="0">
-                    <a:noFill/>
-                  </a:tcPr>
-                </a:tc>
-                <a:extLst>
-                  <a:ext uri="{0D108BD9-81ED-4DB2-BD59-A6C34878D82A}">
-                    <a16:rowId xmlns:a16="http://schemas.microsoft.com/office/drawing/2014/main" val="3276894664"/>
-                  </a:ext>
-                </a:extLst>
-              </a:tr>
-              <a:tr h="351271">
-                <a:tc>
-                  <a:txBody>
-                    <a:bodyPr/>
-                    <a:lstStyle/>
-                    <a:p>
-                      <a:pPr marL="0" marR="0">
-                        <a:lnSpc>
-                          <a:spcPct val="115000"/>
-                        </a:lnSpc>
-                        <a:spcBef>
-                          <a:spcPts val="0"/>
-                        </a:spcBef>
-                        <a:spcAft>
-                          <a:spcPts val="0"/>
-                        </a:spcAft>
-                      </a:pPr>
-                      <a:r>
-                        <a:rPr lang="en-US" sz="2300" b="1" kern="1200" dirty="0" err="1">
-                          <a:solidFill>
-                            <a:schemeClr val="tx1"/>
-                          </a:solidFill>
-                          <a:effectLst/>
-                          <a:latin typeface="+mn-lt"/>
-                          <a:ea typeface="+mn-ea"/>
-                          <a:cs typeface="+mn-cs"/>
-                        </a:rPr>
-                        <a:t>eg:trt</a:t>
-                      </a:r>
-                      <a:r>
-                        <a:rPr lang="en-US" sz="2300" b="1" kern="1200" dirty="0" err="1">
-                          <a:solidFill>
-                            <a:schemeClr val="tx1"/>
-                          </a:solidFill>
-                          <a:effectLst/>
-                          <a:highlight>
-                            <a:srgbClr val="FFFF00"/>
-                          </a:highlight>
-                          <a:latin typeface="+mn-lt"/>
-                          <a:ea typeface="+mn-ea"/>
-                          <a:cs typeface="+mn-cs"/>
-                        </a:rPr>
-                        <a:t>A</a:t>
-                      </a:r>
-                      <a:r>
-                        <a:rPr lang="en-US" sz="2300" b="1" kern="1200" dirty="0" err="1">
-                          <a:solidFill>
-                            <a:schemeClr val="tx1"/>
-                          </a:solidFill>
-                          <a:effectLst/>
-                          <a:latin typeface="+mn-lt"/>
-                          <a:ea typeface="+mn-ea"/>
-                          <a:cs typeface="+mn-cs"/>
-                        </a:rPr>
-                        <a:t>rm</a:t>
-                      </a:r>
-                      <a:r>
-                        <a:rPr lang="en-US" sz="2300" b="1" kern="1200" dirty="0" err="1">
-                          <a:solidFill>
-                            <a:schemeClr val="tx1"/>
-                          </a:solidFill>
-                          <a:effectLst/>
-                          <a:highlight>
-                            <a:srgbClr val="FFFF00"/>
-                          </a:highlight>
-                          <a:latin typeface="+mn-lt"/>
-                          <a:ea typeface="+mn-ea"/>
-                          <a:cs typeface="+mn-cs"/>
-                        </a:rPr>
-                        <a:t>T</a:t>
-                      </a:r>
-                      <a:r>
-                        <a:rPr lang="en-US" sz="2300" b="1" kern="1200" dirty="0" err="1">
-                          <a:solidFill>
-                            <a:schemeClr val="tx1"/>
-                          </a:solidFill>
-                          <a:effectLst/>
-                          <a:latin typeface="+mn-lt"/>
-                          <a:ea typeface="+mn-ea"/>
-                          <a:cs typeface="+mn-cs"/>
-                        </a:rPr>
-                        <a:t>ype</a:t>
-                      </a:r>
-                      <a:endParaRPr lang="en-US" sz="2300" b="1" kern="1200" dirty="0">
-                        <a:solidFill>
-                          <a:schemeClr val="tx1"/>
-                        </a:solidFill>
-                        <a:effectLst/>
-                        <a:latin typeface="+mn-lt"/>
-                        <a:ea typeface="+mn-ea"/>
-                        <a:cs typeface="+mn-cs"/>
-                      </a:endParaRPr>
-                    </a:p>
-                  </a:txBody>
-                  <a:tcPr marL="128038" marR="128038" marT="0" marB="0">
-                    <a:noFill/>
-                  </a:tcPr>
-                </a:tc>
-                <a:extLst>
-                  <a:ext uri="{0D108BD9-81ED-4DB2-BD59-A6C34878D82A}">
-                    <a16:rowId xmlns:a16="http://schemas.microsoft.com/office/drawing/2014/main" val="3221529045"/>
-                  </a:ext>
-                </a:extLst>
-              </a:tr>
-              <a:tr h="702541">
-                <a:tc>
-                  <a:txBody>
-                    <a:bodyPr/>
-                    <a:lstStyle/>
-                    <a:p>
-                      <a:pPr marL="0" marR="0">
-                        <a:lnSpc>
-                          <a:spcPct val="115000"/>
-                        </a:lnSpc>
-                        <a:spcBef>
-                          <a:spcPts val="0"/>
-                        </a:spcBef>
-                        <a:spcAft>
-                          <a:spcPts val="0"/>
-                        </a:spcAft>
-                      </a:pPr>
-                      <a:r>
-                        <a:rPr lang="en-US" sz="2000" dirty="0">
-                          <a:solidFill>
-                            <a:schemeClr val="accent2">
-                              <a:lumMod val="75000"/>
-                            </a:schemeClr>
-                          </a:solidFill>
-                          <a:effectLst/>
-                        </a:rPr>
-                        <a:t> </a:t>
-                      </a:r>
-                    </a:p>
-                    <a:p>
-                      <a:pPr marL="0" marR="0">
-                        <a:lnSpc>
-                          <a:spcPct val="115000"/>
-                        </a:lnSpc>
-                        <a:spcBef>
-                          <a:spcPts val="0"/>
-                        </a:spcBef>
-                        <a:spcAft>
-                          <a:spcPts val="0"/>
-                        </a:spcAft>
-                      </a:pPr>
-                      <a:r>
-                        <a:rPr lang="en-US" sz="2300" b="1" kern="1200" dirty="0" err="1">
-                          <a:solidFill>
-                            <a:schemeClr val="accent2">
-                              <a:lumMod val="75000"/>
-                            </a:schemeClr>
-                          </a:solidFill>
-                          <a:effectLst/>
-                          <a:latin typeface="+mn-lt"/>
-                          <a:ea typeface="+mn-ea"/>
-                          <a:cs typeface="+mn-cs"/>
-                        </a:rPr>
-                        <a:t>ncit:gender</a:t>
-                      </a:r>
-                      <a:endParaRPr lang="en-US" sz="2300" b="1" kern="1200" dirty="0">
-                        <a:solidFill>
-                          <a:schemeClr val="accent2">
-                            <a:lumMod val="75000"/>
-                          </a:schemeClr>
-                        </a:solidFill>
-                        <a:effectLst/>
-                        <a:latin typeface="+mn-lt"/>
-                        <a:ea typeface="+mn-ea"/>
-                        <a:cs typeface="+mn-cs"/>
-                      </a:endParaRPr>
-                    </a:p>
-                  </a:txBody>
-                  <a:tcPr marL="128038" marR="128038" marT="0" marB="0">
-                    <a:noFill/>
-                  </a:tcPr>
-                </a:tc>
-                <a:extLst>
-                  <a:ext uri="{0D108BD9-81ED-4DB2-BD59-A6C34878D82A}">
-                    <a16:rowId xmlns:a16="http://schemas.microsoft.com/office/drawing/2014/main" val="4266861425"/>
-                  </a:ext>
-                </a:extLst>
-              </a:tr>
-              <a:tr h="351271">
-                <a:tc>
-                  <a:txBody>
-                    <a:bodyPr/>
-                    <a:lstStyle/>
-                    <a:p>
-                      <a:pPr marL="0" marR="0">
-                        <a:lnSpc>
-                          <a:spcPct val="115000"/>
-                        </a:lnSpc>
-                        <a:spcBef>
-                          <a:spcPts val="0"/>
-                        </a:spcBef>
-                        <a:spcAft>
-                          <a:spcPts val="0"/>
-                        </a:spcAft>
-                      </a:pPr>
-                      <a:r>
-                        <a:rPr lang="en-US" sz="2300" b="1" kern="1200" dirty="0" err="1">
-                          <a:solidFill>
-                            <a:schemeClr val="accent2">
-                              <a:lumMod val="75000"/>
-                            </a:schemeClr>
-                          </a:solidFill>
-                          <a:effectLst/>
-                          <a:latin typeface="+mn-lt"/>
-                          <a:ea typeface="+mn-ea"/>
-                          <a:cs typeface="+mn-cs"/>
-                        </a:rPr>
-                        <a:t>ncit:phase</a:t>
-                      </a:r>
-                      <a:endParaRPr lang="en-US" sz="2300" b="1" kern="1200" dirty="0">
-                        <a:solidFill>
-                          <a:schemeClr val="accent2">
-                            <a:lumMod val="75000"/>
-                          </a:schemeClr>
-                        </a:solidFill>
-                        <a:effectLst/>
-                        <a:latin typeface="+mn-lt"/>
-                        <a:ea typeface="+mn-ea"/>
-                        <a:cs typeface="+mn-cs"/>
-                      </a:endParaRPr>
-                    </a:p>
-                  </a:txBody>
-                  <a:tcPr marL="128038" marR="128038" marT="0" marB="0">
-                    <a:noFill/>
-                  </a:tcPr>
-                </a:tc>
-                <a:extLst>
-                  <a:ext uri="{0D108BD9-81ED-4DB2-BD59-A6C34878D82A}">
-                    <a16:rowId xmlns:a16="http://schemas.microsoft.com/office/drawing/2014/main" val="1578329347"/>
-                  </a:ext>
-                </a:extLst>
-              </a:tr>
-              <a:tr h="351271">
-                <a:tc>
-                  <a:txBody>
-                    <a:bodyPr/>
-                    <a:lstStyle/>
-                    <a:p>
-                      <a:pPr marL="0" marR="0">
-                        <a:lnSpc>
-                          <a:spcPct val="115000"/>
-                        </a:lnSpc>
-                        <a:spcBef>
-                          <a:spcPts val="0"/>
-                        </a:spcBef>
-                        <a:spcAft>
-                          <a:spcPts val="0"/>
-                        </a:spcAft>
-                      </a:pPr>
-                      <a:r>
-                        <a:rPr lang="en-US" sz="2300" b="1" kern="1200" dirty="0" err="1">
-                          <a:solidFill>
-                            <a:schemeClr val="accent2">
-                              <a:lumMod val="75000"/>
-                            </a:schemeClr>
-                          </a:solidFill>
-                          <a:effectLst/>
-                          <a:latin typeface="+mn-lt"/>
-                          <a:ea typeface="+mn-ea"/>
-                          <a:cs typeface="+mn-cs"/>
-                        </a:rPr>
-                        <a:t>ncit:study</a:t>
-                      </a:r>
-                      <a:endParaRPr lang="en-US" sz="2300" b="1" kern="1200" dirty="0">
-                        <a:solidFill>
-                          <a:schemeClr val="accent2">
-                            <a:lumMod val="75000"/>
-                          </a:schemeClr>
-                        </a:solidFill>
-                        <a:effectLst/>
-                        <a:latin typeface="+mn-lt"/>
-                        <a:ea typeface="+mn-ea"/>
-                        <a:cs typeface="+mn-cs"/>
-                      </a:endParaRPr>
-                    </a:p>
-                  </a:txBody>
-                  <a:tcPr marL="128038" marR="128038" marT="0" marB="0">
-                    <a:noFill/>
-                  </a:tcPr>
-                </a:tc>
-                <a:extLst>
-                  <a:ext uri="{0D108BD9-81ED-4DB2-BD59-A6C34878D82A}">
-                    <a16:rowId xmlns:a16="http://schemas.microsoft.com/office/drawing/2014/main" val="3647191216"/>
-                  </a:ext>
-                </a:extLst>
-              </a:tr>
-              <a:tr h="702541">
-                <a:tc>
-                  <a:txBody>
-                    <a:bodyPr/>
-                    <a:lstStyle/>
-                    <a:p>
-                      <a:pPr marL="0" marR="0">
-                        <a:lnSpc>
-                          <a:spcPct val="115000"/>
-                        </a:lnSpc>
-                        <a:spcBef>
-                          <a:spcPts val="0"/>
-                        </a:spcBef>
-                        <a:spcAft>
-                          <a:spcPts val="0"/>
-                        </a:spcAft>
-                      </a:pPr>
-                      <a:r>
-                        <a:rPr lang="en-US" sz="2000" dirty="0">
-                          <a:solidFill>
-                            <a:schemeClr val="accent2">
-                              <a:lumMod val="75000"/>
-                            </a:schemeClr>
-                          </a:solidFill>
-                          <a:effectLst/>
-                        </a:rPr>
-                        <a:t> </a:t>
-                      </a:r>
-                    </a:p>
-                    <a:p>
-                      <a:pPr marL="0" marR="0">
-                        <a:lnSpc>
-                          <a:spcPct val="115000"/>
-                        </a:lnSpc>
-                        <a:spcBef>
-                          <a:spcPts val="0"/>
-                        </a:spcBef>
-                        <a:spcAft>
-                          <a:spcPts val="0"/>
-                        </a:spcAft>
-                      </a:pPr>
-                      <a:r>
-                        <a:rPr lang="en-US" sz="2300" b="1" kern="1200" dirty="0" err="1">
-                          <a:solidFill>
-                            <a:schemeClr val="accent2">
-                              <a:lumMod val="75000"/>
-                            </a:schemeClr>
-                          </a:solidFill>
-                          <a:effectLst/>
-                          <a:latin typeface="+mn-lt"/>
-                          <a:ea typeface="+mn-ea"/>
-                          <a:cs typeface="+mn-cs"/>
-                        </a:rPr>
-                        <a:t>schema:given</a:t>
-                      </a:r>
-                      <a:r>
-                        <a:rPr lang="en-US" sz="2300" b="1" kern="1200" dirty="0" err="1">
-                          <a:solidFill>
-                            <a:schemeClr val="accent2">
-                              <a:lumMod val="75000"/>
-                            </a:schemeClr>
-                          </a:solidFill>
-                          <a:effectLst/>
-                          <a:highlight>
-                            <a:srgbClr val="FFFF00"/>
-                          </a:highlight>
-                          <a:latin typeface="+mn-lt"/>
-                          <a:ea typeface="+mn-ea"/>
-                          <a:cs typeface="+mn-cs"/>
-                        </a:rPr>
-                        <a:t>N</a:t>
-                      </a:r>
-                      <a:r>
-                        <a:rPr lang="en-US" sz="2300" b="1" kern="1200" dirty="0" err="1">
-                          <a:solidFill>
-                            <a:schemeClr val="accent2">
-                              <a:lumMod val="75000"/>
-                            </a:schemeClr>
-                          </a:solidFill>
-                          <a:effectLst/>
-                          <a:latin typeface="+mn-lt"/>
-                          <a:ea typeface="+mn-ea"/>
-                          <a:cs typeface="+mn-cs"/>
-                        </a:rPr>
-                        <a:t>ame</a:t>
-                      </a:r>
-                      <a:endParaRPr lang="en-US" sz="2300" b="1" kern="1200" dirty="0">
-                        <a:solidFill>
-                          <a:schemeClr val="accent2">
-                            <a:lumMod val="75000"/>
-                          </a:schemeClr>
-                        </a:solidFill>
-                        <a:effectLst/>
-                        <a:latin typeface="+mn-lt"/>
-                        <a:ea typeface="+mn-ea"/>
-                        <a:cs typeface="+mn-cs"/>
-                      </a:endParaRPr>
-                    </a:p>
-                  </a:txBody>
-                  <a:tcPr marL="128038" marR="128038" marT="0" marB="0">
-                    <a:noFill/>
-                  </a:tcPr>
-                </a:tc>
-                <a:extLst>
-                  <a:ext uri="{0D108BD9-81ED-4DB2-BD59-A6C34878D82A}">
-                    <a16:rowId xmlns:a16="http://schemas.microsoft.com/office/drawing/2014/main" val="3174843727"/>
                   </a:ext>
                 </a:extLst>
               </a:tr>
@@ -7799,53 +6921,14 @@
       </p:cxnSp>
       <p:sp>
         <p:nvSpPr>
-          <p:cNvPr id="2" name="TextBox 1"/>
-          <p:cNvSpPr txBox="1"/>
-          <p:nvPr/>
-        </p:nvSpPr>
-        <p:spPr>
-          <a:xfrm>
-            <a:off x="4533175" y="3143879"/>
-            <a:ext cx="2282997" cy="369332"/>
-          </a:xfrm>
-          <a:prstGeom prst="rect">
-            <a:avLst/>
-          </a:prstGeom>
-          <a:noFill/>
-        </p:spPr>
-        <p:txBody>
-          <a:bodyPr wrap="none" rtlCol="0">
-            <a:spAutoFit/>
-          </a:bodyPr>
-          <a:lstStyle/>
-          <a:p>
-            <a:r>
-              <a:rPr lang="en-US" b="1" i="1" dirty="0">
-                <a:solidFill>
-                  <a:schemeClr val="bg1">
-                    <a:lumMod val="65000"/>
-                  </a:schemeClr>
-                </a:solidFill>
-              </a:rPr>
-              <a:t>&lt;y&gt; </a:t>
-            </a:r>
-            <a:r>
-              <a:rPr lang="en-US" dirty="0"/>
-              <a:t>Number:  1, 2 or 3</a:t>
-            </a:r>
-          </a:p>
-        </p:txBody>
-      </p:sp>
-      <p:sp>
-        <p:nvSpPr>
           <p:cNvPr id="3" name="TextBox 2"/>
           <p:cNvSpPr txBox="1"/>
           <p:nvPr/>
         </p:nvSpPr>
         <p:spPr>
           <a:xfrm>
-            <a:off x="2956298" y="1694917"/>
-            <a:ext cx="5091330" cy="369332"/>
+            <a:off x="2354719" y="1117401"/>
+            <a:ext cx="2089033" cy="923330"/>
           </a:xfrm>
           <a:prstGeom prst="rect">
             <a:avLst/>
@@ -7879,8 +6962,16 @@
             </a:r>
             <a:r>
               <a:rPr lang="en-US" dirty="0"/>
-              <a:t>= Study number. Same for Study, </a:t>
-            </a:r>
+              <a:t>= Study number</a:t>
+            </a:r>
+          </a:p>
+          <a:p>
+            <a:r>
+              <a:rPr lang="en-US" dirty="0"/>
+              <a:t>Used in Study, </a:t>
+            </a:r>
+          </a:p>
+          <a:p>
             <a:r>
               <a:rPr lang="en-US" dirty="0" err="1"/>
               <a:t>TrtArm</a:t>
@@ -7892,117 +6983,6 @@
           </a:p>
         </p:txBody>
       </p:sp>
-      <p:sp>
-        <p:nvSpPr>
-          <p:cNvPr id="6" name="TextBox 5"/>
-          <p:cNvSpPr txBox="1"/>
-          <p:nvPr/>
-        </p:nvSpPr>
-        <p:spPr>
-          <a:xfrm>
-            <a:off x="4369957" y="2767310"/>
-            <a:ext cx="2329484" cy="369332"/>
-          </a:xfrm>
-          <a:prstGeom prst="rect">
-            <a:avLst/>
-          </a:prstGeom>
-          <a:noFill/>
-        </p:spPr>
-        <p:txBody>
-          <a:bodyPr wrap="none" rtlCol="0">
-            <a:spAutoFit/>
-          </a:bodyPr>
-          <a:lstStyle/>
-          <a:p>
-            <a:r>
-              <a:rPr lang="en-US" b="1" i="1" dirty="0">
-                <a:solidFill>
-                  <a:schemeClr val="bg1">
-                    <a:lumMod val="65000"/>
-                  </a:schemeClr>
-                </a:solidFill>
-              </a:rPr>
-              <a:t> &lt;x&gt; </a:t>
-            </a:r>
-            <a:r>
-              <a:rPr lang="en-US" dirty="0"/>
-              <a:t>= Number:  1, or 2</a:t>
-            </a:r>
-          </a:p>
-        </p:txBody>
-      </p:sp>
-      <p:sp>
-        <p:nvSpPr>
-          <p:cNvPr id="8" name="TextBox 7"/>
-          <p:cNvSpPr txBox="1"/>
-          <p:nvPr/>
-        </p:nvSpPr>
-        <p:spPr>
-          <a:xfrm>
-            <a:off x="3654613" y="3821406"/>
-            <a:ext cx="2438488" cy="369332"/>
-          </a:xfrm>
-          <a:prstGeom prst="rect">
-            <a:avLst/>
-          </a:prstGeom>
-          <a:noFill/>
-        </p:spPr>
-        <p:txBody>
-          <a:bodyPr wrap="none" rtlCol="0">
-            <a:spAutoFit/>
-          </a:bodyPr>
-          <a:lstStyle/>
-          <a:p>
-            <a:r>
-              <a:rPr lang="en-US" b="1" i="1" dirty="0">
-                <a:solidFill>
-                  <a:schemeClr val="bg1">
-                    <a:lumMod val="65000"/>
-                  </a:schemeClr>
-                </a:solidFill>
-              </a:rPr>
-              <a:t>&lt;z&gt;</a:t>
-            </a:r>
-            <a:r>
-              <a:rPr lang="en-US" dirty="0"/>
-              <a:t> = Number:  2, 3 or 4</a:t>
-            </a:r>
-          </a:p>
-        </p:txBody>
-      </p:sp>
-      <p:cxnSp>
-        <p:nvCxnSpPr>
-          <p:cNvPr id="9" name="Straight Arrow Connector 8"/>
-          <p:cNvCxnSpPr/>
-          <p:nvPr/>
-        </p:nvCxnSpPr>
-        <p:spPr>
-          <a:xfrm flipH="1">
-            <a:off x="2789516" y="4006072"/>
-            <a:ext cx="797668" cy="0"/>
-          </a:xfrm>
-          <a:prstGeom prst="straightConnector1">
-            <a:avLst/>
-          </a:prstGeom>
-          <a:ln w="50800">
-            <a:tailEnd type="triangle"/>
-          </a:ln>
-        </p:spPr>
-        <p:style>
-          <a:lnRef idx="1">
-            <a:schemeClr val="accent1"/>
-          </a:lnRef>
-          <a:fillRef idx="0">
-            <a:schemeClr val="accent1"/>
-          </a:fillRef>
-          <a:effectRef idx="0">
-            <a:schemeClr val="accent1"/>
-          </a:effectRef>
-          <a:fontRef idx="minor">
-            <a:schemeClr val="tx1"/>
-          </a:fontRef>
-        </p:style>
-      </p:cxnSp>
       <p:cxnSp>
         <p:nvCxnSpPr>
           <p:cNvPr id="10" name="Straight Arrow Connector 9"/>
@@ -8075,39 +7055,6 @@
           </a:fontRef>
         </p:style>
       </p:cxnSp>
-      <p:cxnSp>
-        <p:nvCxnSpPr>
-          <p:cNvPr id="35" name="Straight Arrow Connector 34"/>
-          <p:cNvCxnSpPr/>
-          <p:nvPr/>
-        </p:nvCxnSpPr>
-        <p:spPr>
-          <a:xfrm flipH="1">
-            <a:off x="3654613" y="2951976"/>
-            <a:ext cx="797668" cy="0"/>
-          </a:xfrm>
-          <a:prstGeom prst="straightConnector1">
-            <a:avLst/>
-          </a:prstGeom>
-          <a:ln w="50800">
-            <a:tailEnd type="triangle"/>
-          </a:ln>
-        </p:spPr>
-        <p:style>
-          <a:lnRef idx="1">
-            <a:schemeClr val="accent1"/>
-          </a:lnRef>
-          <a:fillRef idx="0">
-            <a:schemeClr val="accent1"/>
-          </a:fillRef>
-          <a:effectRef idx="0">
-            <a:schemeClr val="accent1"/>
-          </a:effectRef>
-          <a:fontRef idx="minor">
-            <a:schemeClr val="tx1"/>
-          </a:fontRef>
-        </p:style>
-      </p:cxnSp>
       <p:sp>
         <p:nvSpPr>
           <p:cNvPr id="23" name="TextBox 22"/>
@@ -8150,7 +7097,7 @@
         <p:spPr>
           <a:xfrm>
             <a:off x="951205" y="2375341"/>
-            <a:ext cx="3330171" cy="1862048"/>
+            <a:ext cx="3330171" cy="1508105"/>
           </a:xfrm>
           <a:prstGeom prst="rect">
             <a:avLst/>
@@ -8200,9 +7147,7 @@
             <a:r>
               <a:rPr lang="en-US" sz="2300" i="1" dirty="0">
                 <a:solidFill>
-                  <a:schemeClr val="bg1">
-                    <a:lumMod val="65000"/>
-                  </a:schemeClr>
+                  <a:srgbClr val="3333FF"/>
                 </a:solidFill>
               </a:rPr>
               <a:t>&lt;x&gt;</a:t>
@@ -8228,9 +7173,7 @@
             <a:r>
               <a:rPr lang="en-US" sz="2300" i="1" dirty="0">
                 <a:solidFill>
-                  <a:schemeClr val="bg1">
-                    <a:lumMod val="65000"/>
-                  </a:schemeClr>
+                  <a:srgbClr val="00B050"/>
                 </a:solidFill>
               </a:rPr>
               <a:t>&lt;y&gt;</a:t>
@@ -8239,57 +7182,141 @@
           <a:p>
             <a:endParaRPr lang="en-US" sz="2300" dirty="0"/>
           </a:p>
-          <a:p>
-            <a:r>
-              <a:rPr lang="en-US" sz="2300" b="1" dirty="0" err="1"/>
-              <a:t>ncit:Phase</a:t>
-            </a:r>
-            <a:r>
-              <a:rPr lang="en-US" sz="2300" i="1" dirty="0">
-                <a:solidFill>
-                  <a:schemeClr val="bg1">
-                    <a:lumMod val="65000"/>
-                  </a:schemeClr>
-                </a:solidFill>
-              </a:rPr>
-              <a:t>&lt;z&gt;</a:t>
-            </a:r>
-          </a:p>
-        </p:txBody>
-      </p:sp>
-      <p:cxnSp>
-        <p:nvCxnSpPr>
-          <p:cNvPr id="36" name="Straight Arrow Connector 35"/>
-          <p:cNvCxnSpPr/>
-          <p:nvPr/>
-        </p:nvCxnSpPr>
-        <p:spPr>
-          <a:xfrm flipH="1">
-            <a:off x="3735507" y="3328545"/>
-            <a:ext cx="797668" cy="0"/>
-          </a:xfrm>
-          <a:prstGeom prst="straightConnector1">
-            <a:avLst/>
-          </a:prstGeom>
-          <a:ln w="50800">
-            <a:tailEnd type="triangle"/>
-          </a:ln>
-        </p:spPr>
-        <p:style>
-          <a:lnRef idx="1">
-            <a:schemeClr val="accent1"/>
-          </a:lnRef>
-          <a:fillRef idx="0">
-            <a:schemeClr val="accent1"/>
-          </a:fillRef>
-          <a:effectRef idx="0">
-            <a:schemeClr val="accent1"/>
-          </a:effectRef>
-          <a:fontRef idx="minor">
-            <a:schemeClr val="tx1"/>
-          </a:fontRef>
-        </p:style>
-      </p:cxnSp>
+        </p:txBody>
+      </p:sp>
+      <p:sp>
+        <p:nvSpPr>
+          <p:cNvPr id="15" name="TextBox 14">
+            <a:extLst>
+              <a:ext uri="{FF2B5EF4-FFF2-40B4-BE49-F238E27FC236}">
+                <a16:creationId xmlns:a16="http://schemas.microsoft.com/office/drawing/2014/main" id="{43018FB8-BE00-4A6F-BB5E-0458752ECC3B}"/>
+              </a:ext>
+            </a:extLst>
+          </p:cNvPr>
+          <p:cNvSpPr txBox="1"/>
+          <p:nvPr/>
+        </p:nvSpPr>
+        <p:spPr>
+          <a:xfrm>
+            <a:off x="4039309" y="2375341"/>
+            <a:ext cx="3330171" cy="1508105"/>
+          </a:xfrm>
+          <a:prstGeom prst="rect">
+            <a:avLst/>
+          </a:prstGeom>
+          <a:noFill/>
+        </p:spPr>
+        <p:txBody>
+          <a:bodyPr wrap="square" rtlCol="0">
+            <a:spAutoFit/>
+          </a:bodyPr>
+          <a:lstStyle/>
+          <a:p>
+            <a:r>
+              <a:rPr lang="en-US" sz="2300" b="1" dirty="0"/>
+              <a:t>eg:Study</a:t>
+            </a:r>
+            <a:r>
+              <a:rPr lang="en-US" sz="2300" dirty="0">
+                <a:solidFill>
+                  <a:srgbClr val="C00000"/>
+                </a:solidFill>
+              </a:rPr>
+              <a:t>21</a:t>
+            </a:r>
+          </a:p>
+          <a:p>
+            <a:r>
+              <a:rPr lang="en-US" sz="2300" b="1" dirty="0"/>
+              <a:t>     eg:TrtArm</a:t>
+            </a:r>
+            <a:r>
+              <a:rPr lang="en-US" sz="2300" b="1" dirty="0">
+                <a:solidFill>
+                  <a:srgbClr val="C00000"/>
+                </a:solidFill>
+              </a:rPr>
+              <a:t>21</a:t>
+            </a:r>
+            <a:r>
+              <a:rPr lang="en-US" sz="2300" dirty="0"/>
+              <a:t>-</a:t>
+            </a:r>
+            <a:r>
+              <a:rPr lang="en-US" sz="2300" dirty="0">
+                <a:solidFill>
+                  <a:srgbClr val="3333FF"/>
+                </a:solidFill>
+              </a:rPr>
+              <a:t>2</a:t>
+            </a:r>
+          </a:p>
+          <a:p>
+            <a:r>
+              <a:rPr lang="en-US" sz="2300" b="1" dirty="0"/>
+              <a:t>         eg:Person</a:t>
+            </a:r>
+            <a:r>
+              <a:rPr lang="en-US" sz="2300" b="1" dirty="0">
+                <a:solidFill>
+                  <a:srgbClr val="C00000"/>
+                </a:solidFill>
+              </a:rPr>
+              <a:t>21</a:t>
+            </a:r>
+            <a:r>
+              <a:rPr lang="en-US" sz="2300" dirty="0">
+                <a:solidFill>
+                  <a:srgbClr val="00B050"/>
+                </a:solidFill>
+              </a:rPr>
+              <a:t>3</a:t>
+            </a:r>
+          </a:p>
+          <a:p>
+            <a:endParaRPr lang="en-US" sz="2300" dirty="0"/>
+          </a:p>
+        </p:txBody>
+      </p:sp>
+      <p:sp>
+        <p:nvSpPr>
+          <p:cNvPr id="16" name="TextBox 15">
+            <a:extLst>
+              <a:ext uri="{FF2B5EF4-FFF2-40B4-BE49-F238E27FC236}">
+                <a16:creationId xmlns:a16="http://schemas.microsoft.com/office/drawing/2014/main" id="{44E3A8A1-0F9B-484C-A6CE-D9408BC1F119}"/>
+              </a:ext>
+            </a:extLst>
+          </p:cNvPr>
+          <p:cNvSpPr txBox="1"/>
+          <p:nvPr/>
+        </p:nvSpPr>
+        <p:spPr>
+          <a:xfrm>
+            <a:off x="4178561" y="1879583"/>
+            <a:ext cx="1938864" cy="461665"/>
+          </a:xfrm>
+          <a:prstGeom prst="rect">
+            <a:avLst/>
+          </a:prstGeom>
+          <a:noFill/>
+        </p:spPr>
+        <p:txBody>
+          <a:bodyPr wrap="none" rtlCol="0">
+            <a:spAutoFit/>
+          </a:bodyPr>
+          <a:lstStyle/>
+          <a:p>
+            <a:r>
+              <a:rPr lang="en-US" sz="2400" b="1" dirty="0">
+                <a:solidFill>
+                  <a:srgbClr val="0070C0"/>
+                </a:solidFill>
+              </a:rPr>
+              <a:t>Example Data</a:t>
+            </a:r>
+          </a:p>
+        </p:txBody>
+      </p:sp>
     </p:spTree>
     <p:extLst>
       <p:ext uri="{BB962C8B-B14F-4D97-AF65-F5344CB8AC3E}">
